--- a/Documents à rendre 2021/Présentation/Presentation_Diallo_Damak.pptx
+++ b/Documents à rendre 2021/Présentation/Presentation_Diallo_Damak.pptx
@@ -928,7 +928,7 @@
           <a:p>
             <a:fld id="{3371F18C-4DA8-458B-808C-753B8B581023}" type="datetimeFigureOut">
               <a:rPr lang="fr-FR" smtClean="0"/>
-              <a:t>27/01/2021</a:t>
+              <a:t>28/01/2021</a:t>
             </a:fld>
             <a:endParaRPr lang="fr-FR"/>
           </a:p>
@@ -1106,7 +1106,7 @@
           <a:p>
             <a:fld id="{69849486-2F3C-45F7-A178-289EC869F1B6}" type="datetimeFigureOut">
               <a:rPr lang="fr-FR" smtClean="0"/>
-              <a:t>27/01/2021</a:t>
+              <a:t>28/01/2021</a:t>
             </a:fld>
             <a:endParaRPr lang="fr-FR"/>
           </a:p>
@@ -1521,7 +1521,7 @@
           <a:p>
             <a:fld id="{54FB137E-E8AB-4BD4-911E-EB9921BF705F}" type="datetime1">
               <a:rPr lang="fr-FR" smtClean="0"/>
-              <a:t>27/01/2021</a:t>
+              <a:t>28/01/2021</a:t>
             </a:fld>
             <a:endParaRPr lang="fr-FR" dirty="0"/>
           </a:p>
@@ -1723,7 +1723,7 @@
           <a:p>
             <a:fld id="{4CAEF8DB-F7C9-4A64-9D5D-7F650FD34373}" type="datetime1">
               <a:rPr lang="fr-FR" smtClean="0"/>
-              <a:t>27/01/2021</a:t>
+              <a:t>28/01/2021</a:t>
             </a:fld>
             <a:endParaRPr lang="fr-FR" dirty="0"/>
           </a:p>
@@ -1935,7 +1935,7 @@
           <a:p>
             <a:fld id="{806DC3E7-0017-44BA-ADEC-0E4ABC83B57B}" type="datetime1">
               <a:rPr lang="fr-FR" smtClean="0"/>
-              <a:t>27/01/2021</a:t>
+              <a:t>28/01/2021</a:t>
             </a:fld>
             <a:endParaRPr lang="fr-FR" dirty="0"/>
           </a:p>
@@ -2137,7 +2137,7 @@
           <a:p>
             <a:fld id="{CC6781B6-65CD-4074-9C26-8C901E8328DB}" type="datetime1">
               <a:rPr lang="fr-FR" smtClean="0"/>
-              <a:t>27/01/2021</a:t>
+              <a:t>28/01/2021</a:t>
             </a:fld>
             <a:endParaRPr lang="fr-FR" dirty="0"/>
           </a:p>
@@ -2416,7 +2416,7 @@
           <a:p>
             <a:fld id="{59D15937-6933-436E-A620-789077F40387}" type="datetime1">
               <a:rPr lang="fr-FR" smtClean="0"/>
-              <a:t>27/01/2021</a:t>
+              <a:t>28/01/2021</a:t>
             </a:fld>
             <a:endParaRPr lang="fr-FR" dirty="0"/>
           </a:p>
@@ -2685,7 +2685,7 @@
           <a:p>
             <a:fld id="{016F346B-DC92-418E-9814-850D8E8E32C6}" type="datetime1">
               <a:rPr lang="fr-FR" smtClean="0"/>
-              <a:t>27/01/2021</a:t>
+              <a:t>28/01/2021</a:t>
             </a:fld>
             <a:endParaRPr lang="fr-FR" dirty="0"/>
           </a:p>
@@ -3101,7 +3101,7 @@
           <a:p>
             <a:fld id="{8F235155-FCBC-4EB7-8019-DCE79B913734}" type="datetime1">
               <a:rPr lang="fr-FR" smtClean="0"/>
-              <a:t>27/01/2021</a:t>
+              <a:t>28/01/2021</a:t>
             </a:fld>
             <a:endParaRPr lang="fr-FR" dirty="0"/>
           </a:p>
@@ -3246,7 +3246,7 @@
           <a:p>
             <a:fld id="{0D3F0AA0-0437-46A2-964C-88F41F04CE1F}" type="datetime1">
               <a:rPr lang="fr-FR" smtClean="0"/>
-              <a:t>27/01/2021</a:t>
+              <a:t>28/01/2021</a:t>
             </a:fld>
             <a:endParaRPr lang="fr-FR" dirty="0"/>
           </a:p>
@@ -3363,7 +3363,7 @@
           <a:p>
             <a:fld id="{F6FAB9BE-C7A8-4477-B1AA-00D83B2B6548}" type="datetime1">
               <a:rPr lang="fr-FR" smtClean="0"/>
-              <a:t>27/01/2021</a:t>
+              <a:t>28/01/2021</a:t>
             </a:fld>
             <a:endParaRPr lang="fr-FR" dirty="0"/>
           </a:p>
@@ -3678,7 +3678,7 @@
           <a:p>
             <a:fld id="{234C64CD-5F00-4957-976B-6A3870B3E6B2}" type="datetime1">
               <a:rPr lang="fr-FR" smtClean="0"/>
-              <a:t>27/01/2021</a:t>
+              <a:t>28/01/2021</a:t>
             </a:fld>
             <a:endParaRPr lang="fr-FR" dirty="0"/>
           </a:p>
@@ -3970,7 +3970,7 @@
           <a:p>
             <a:fld id="{2486360F-F515-4D0B-8DEF-C95905A32367}" type="datetime1">
               <a:rPr lang="fr-FR" smtClean="0"/>
-              <a:t>27/01/2021</a:t>
+              <a:t>28/01/2021</a:t>
             </a:fld>
             <a:endParaRPr lang="fr-FR" dirty="0"/>
           </a:p>
@@ -4215,7 +4215,7 @@
           <a:p>
             <a:fld id="{8B53A102-3399-4098-B0F5-7ABF1860F0E0}" type="datetime1">
               <a:rPr lang="fr-FR" smtClean="0"/>
-              <a:t>27/01/2021</a:t>
+              <a:t>28/01/2021</a:t>
             </a:fld>
             <a:endParaRPr lang="fr-FR" dirty="0"/>
           </a:p>
@@ -6510,15 +6510,6 @@
                 <a:cs typeface="Times New Roman" panose="02020603050405020304" pitchFamily="18" charset="0"/>
               </a:rPr>
               <a:t>Amélioration sur la partie étudiant et sur la partie de l’enseignant</a:t>
-            </a:r>
-          </a:p>
-          <a:p>
-            <a:r>
-              <a:rPr lang="fr-FR" sz="2400" i="1" dirty="0">
-                <a:latin typeface="Times New Roman" panose="02020603050405020304" pitchFamily="18" charset="0"/>
-                <a:cs typeface="Times New Roman" panose="02020603050405020304" pitchFamily="18" charset="0"/>
-              </a:rPr>
-              <a:t>Problèmes et solutions</a:t>
             </a:r>
           </a:p>
           <a:p>
